--- a/Later/Spring/4_Dependency_Injection/8/Constructor Injection with Collection_List.pptx
+++ b/Later/Spring/4_Dependency_Injection/8/Constructor Injection with Collection_List.pptx
@@ -4244,7 +4244,7 @@
             </a:r>
             <a:r>
               <a:rPr lang="en-US" sz="1200" dirty="0" smtClean="0"/>
-              <a:t>Collection - List</a:t>
+              <a:t>List Collection</a:t>
             </a:r>
             <a:endParaRPr lang="en-US" sz="1200" dirty="0"/>
           </a:p>
@@ -4412,9 +4412,57 @@
           </a:p>
         </p:txBody>
       </p:sp>
+      <p:sp>
+        <p:nvSpPr>
+          <p:cNvPr id="8" name="Rectangle 7"/>
+          <p:cNvSpPr/>
+          <p:nvPr/>
+        </p:nvSpPr>
+        <p:spPr>
+          <a:xfrm>
+            <a:off x="3352800" y="27801"/>
+            <a:ext cx="2895600" cy="276999"/>
+          </a:xfrm>
+          <a:prstGeom prst="rect">
+            <a:avLst/>
+          </a:prstGeom>
+        </p:spPr>
+        <p:style>
+          <a:lnRef idx="1">
+            <a:schemeClr val="accent4"/>
+          </a:lnRef>
+          <a:fillRef idx="3">
+            <a:schemeClr val="accent4"/>
+          </a:fillRef>
+          <a:effectRef idx="2">
+            <a:schemeClr val="accent4"/>
+          </a:effectRef>
+          <a:fontRef idx="minor">
+            <a:schemeClr val="lt1"/>
+          </a:fontRef>
+        </p:style>
+        <p:txBody>
+          <a:bodyPr wrap="square">
+            <a:spAutoFit/>
+          </a:bodyPr>
+          <a:lstStyle/>
+          <a:p>
+            <a:pPr algn="ctr"/>
+            <a:r>
+              <a:rPr lang="en-US" sz="1200" dirty="0"/>
+              <a:t>Constructor Injection with </a:t>
+            </a:r>
+            <a:r>
+              <a:rPr lang="en-US" sz="1200" dirty="0" smtClean="0"/>
+              <a:t>List Collection</a:t>
+            </a:r>
+            <a:endParaRPr lang="en-US" sz="1200" dirty="0"/>
+          </a:p>
+        </p:txBody>
+      </p:sp>
       <p:pic>
         <p:nvPicPr>
-          <p:cNvPr id="1026" name="Picture 2"/>
+          <p:cNvPr id="5" name="Picture 2"/>
           <p:cNvPicPr>
             <a:picLocks noChangeAspect="1" noChangeArrowheads="1"/>
           </p:cNvPicPr>
@@ -4435,8 +4483,8 @@
         </p:blipFill>
         <p:spPr bwMode="auto">
           <a:xfrm>
-            <a:off x="460375" y="609600"/>
-            <a:ext cx="5773737" cy="4057650"/>
+            <a:off x="327025" y="465138"/>
+            <a:ext cx="5888037" cy="4171950"/>
           </a:xfrm>
           <a:prstGeom prst="rect">
             <a:avLst/>
@@ -4458,54 +4506,6 @@
           </a:fontRef>
         </p:style>
       </p:pic>
-      <p:sp>
-        <p:nvSpPr>
-          <p:cNvPr id="7" name="Rectangle 6"/>
-          <p:cNvSpPr/>
-          <p:nvPr/>
-        </p:nvSpPr>
-        <p:spPr>
-          <a:xfrm>
-            <a:off x="3352800" y="27801"/>
-            <a:ext cx="2895600" cy="276999"/>
-          </a:xfrm>
-          <a:prstGeom prst="rect">
-            <a:avLst/>
-          </a:prstGeom>
-        </p:spPr>
-        <p:style>
-          <a:lnRef idx="1">
-            <a:schemeClr val="accent4"/>
-          </a:lnRef>
-          <a:fillRef idx="3">
-            <a:schemeClr val="accent4"/>
-          </a:fillRef>
-          <a:effectRef idx="2">
-            <a:schemeClr val="accent4"/>
-          </a:effectRef>
-          <a:fontRef idx="minor">
-            <a:schemeClr val="lt1"/>
-          </a:fontRef>
-        </p:style>
-        <p:txBody>
-          <a:bodyPr wrap="square">
-            <a:spAutoFit/>
-          </a:bodyPr>
-          <a:lstStyle/>
-          <a:p>
-            <a:pPr algn="ctr"/>
-            <a:r>
-              <a:rPr lang="en-US" sz="1200" dirty="0"/>
-              <a:t>Constructor Injection with </a:t>
-            </a:r>
-            <a:r>
-              <a:rPr lang="en-US" sz="1200" dirty="0" smtClean="0"/>
-              <a:t>Collection - List</a:t>
-            </a:r>
-            <a:endParaRPr lang="en-US" sz="1200" dirty="0"/>
-          </a:p>
-        </p:txBody>
-      </p:sp>
     </p:spTree>
     <p:extLst>
       <p:ext uri="{BB962C8B-B14F-4D97-AF65-F5344CB8AC3E}">
@@ -4553,7 +4553,7 @@
       </p:grpSpPr>
       <p:pic>
         <p:nvPicPr>
-          <p:cNvPr id="2051" name="Picture 3"/>
+          <p:cNvPr id="6" name="Picture 3"/>
           <p:cNvPicPr>
             <a:picLocks noChangeAspect="1" noChangeArrowheads="1"/>
           </p:cNvPicPr>
@@ -4574,8 +4574,8 @@
         </p:blipFill>
         <p:spPr bwMode="auto">
           <a:xfrm>
-            <a:off x="307975" y="2228850"/>
-            <a:ext cx="4645025" cy="2541102"/>
+            <a:off x="155575" y="1905000"/>
+            <a:ext cx="5534025" cy="3038475"/>
           </a:xfrm>
           <a:prstGeom prst="rect">
             <a:avLst/>
@@ -4722,13 +4722,13 @@
         </p:nvSpPr>
         <p:spPr>
           <a:xfrm>
-            <a:off x="1981200" y="465138"/>
-            <a:ext cx="6629400" cy="1280922"/>
+            <a:off x="460375" y="465138"/>
+            <a:ext cx="8150225" cy="1280922"/>
           </a:xfrm>
           <a:prstGeom prst="wedgeRoundRectCallout">
             <a:avLst>
-              <a:gd name="adj1" fmla="val -46744"/>
-              <a:gd name="adj2" fmla="val 87191"/>
+              <a:gd name="adj1" fmla="val -23604"/>
+              <a:gd name="adj2" fmla="val 64883"/>
               <a:gd name="adj3" fmla="val 16667"/>
             </a:avLst>
           </a:prstGeom>
@@ -4835,7 +4835,47 @@
                   <a:srgbClr val="FF0000"/>
                 </a:solidFill>
               </a:rPr>
-              <a:t>FruitShop(String shopName, List&lt;String&gt; listOfFruits)</a:t>
+              <a:t>FruitShop</a:t>
+            </a:r>
+            <a:r>
+              <a:rPr lang="en-US" sz="1200" dirty="0">
+                <a:solidFill>
+                  <a:srgbClr val="FF0000"/>
+                </a:solidFill>
+              </a:rPr>
+              <a:t>(String </a:t>
+            </a:r>
+            <a:r>
+              <a:rPr lang="en-US" sz="1200" dirty="0">
+                <a:solidFill>
+                  <a:srgbClr val="FF0000"/>
+                </a:solidFill>
+              </a:rPr>
+              <a:t>shopName</a:t>
+            </a:r>
+            <a:r>
+              <a:rPr lang="en-US" sz="1200" dirty="0">
+                <a:solidFill>
+                  <a:srgbClr val="FF0000"/>
+                </a:solidFill>
+              </a:rPr>
+              <a:t>, List&lt;String&gt; </a:t>
+            </a:r>
+            <a:r>
+              <a:rPr lang="en-US" sz="1200" dirty="0">
+                <a:solidFill>
+                  <a:srgbClr val="FF0000"/>
+                </a:solidFill>
+              </a:rPr>
+              <a:t>listOfAvailableFruits</a:t>
+            </a:r>
+            <a:r>
+              <a:rPr lang="en-US" sz="1200" dirty="0">
+                <a:solidFill>
+                  <a:srgbClr val="FF0000"/>
+                </a:solidFill>
+              </a:rPr>
+              <a:t>)</a:t>
             </a:r>
             <a:r>
               <a:rPr lang="en-US" sz="1200" b="1" dirty="0" smtClean="0"/>
@@ -4861,13 +4901,13 @@
         </p:nvSpPr>
         <p:spPr>
           <a:xfrm>
-            <a:off x="5295900" y="3209608"/>
+            <a:off x="5689599" y="3276600"/>
             <a:ext cx="3076575" cy="579585"/>
           </a:xfrm>
           <a:prstGeom prst="wedgeRoundRectCallout">
             <a:avLst>
-              <a:gd name="adj1" fmla="val -166108"/>
-              <a:gd name="adj2" fmla="val 20991"/>
+              <a:gd name="adj1" fmla="val -175705"/>
+              <a:gd name="adj2" fmla="val -5304"/>
               <a:gd name="adj3" fmla="val 16667"/>
             </a:avLst>
           </a:prstGeom>
@@ -4904,7 +4944,7 @@
       </p:sp>
       <p:sp>
         <p:nvSpPr>
-          <p:cNvPr id="10" name="Rectangle 9"/>
+          <p:cNvPr id="9" name="Rectangle 8"/>
           <p:cNvSpPr/>
           <p:nvPr/>
         </p:nvSpPr>
@@ -4944,7 +4984,7 @@
             </a:r>
             <a:r>
               <a:rPr lang="en-US" sz="1200" dirty="0" smtClean="0"/>
-              <a:t>Collection - List</a:t>
+              <a:t>List Collection</a:t>
             </a:r>
             <a:endParaRPr lang="en-US" sz="1200" dirty="0"/>
           </a:p>
@@ -4997,7 +5037,7 @@
       </p:grpSpPr>
       <p:pic>
         <p:nvPicPr>
-          <p:cNvPr id="27" name="Picture 3"/>
+          <p:cNvPr id="25" name="Picture 3"/>
           <p:cNvPicPr>
             <a:picLocks noChangeAspect="1" noChangeArrowheads="1"/>
           </p:cNvPicPr>
@@ -5018,8 +5058,54 @@
         </p:blipFill>
         <p:spPr bwMode="auto">
           <a:xfrm>
-            <a:off x="-1" y="3705225"/>
-            <a:ext cx="3662263" cy="1382371"/>
+            <a:off x="106671" y="3714750"/>
+            <a:ext cx="3506687" cy="1314450"/>
+          </a:xfrm>
+          <a:prstGeom prst="rect">
+            <a:avLst/>
+          </a:prstGeom>
+          <a:ln/>
+        </p:spPr>
+        <p:style>
+          <a:lnRef idx="1">
+            <a:schemeClr val="accent5"/>
+          </a:lnRef>
+          <a:fillRef idx="2">
+            <a:schemeClr val="accent5"/>
+          </a:fillRef>
+          <a:effectRef idx="1">
+            <a:schemeClr val="accent5"/>
+          </a:effectRef>
+          <a:fontRef idx="minor">
+            <a:schemeClr val="dk1"/>
+          </a:fontRef>
+        </p:style>
+      </p:pic>
+      <p:pic>
+        <p:nvPicPr>
+          <p:cNvPr id="24" name="Picture 2"/>
+          <p:cNvPicPr>
+            <a:picLocks noChangeAspect="1" noChangeArrowheads="1"/>
+          </p:cNvPicPr>
+          <p:nvPr/>
+        </p:nvPicPr>
+        <p:blipFill>
+          <a:blip r:embed="rId4">
+            <a:extLst>
+              <a:ext uri="{28A0092B-C50C-407E-A947-70E740481C1C}">
+                <a14:useLocalDpi xmlns:a14="http://schemas.microsoft.com/office/drawing/2010/main" val="0"/>
+              </a:ext>
+            </a:extLst>
+          </a:blip>
+          <a:srcRect/>
+          <a:stretch>
+            <a:fillRect/>
+          </a:stretch>
+        </p:blipFill>
+        <p:spPr bwMode="auto">
+          <a:xfrm>
+            <a:off x="5739848" y="354657"/>
+            <a:ext cx="3366052" cy="2732088"/>
           </a:xfrm>
           <a:prstGeom prst="rect">
             <a:avLst/>
@@ -5729,55 +5815,9 @@
           </a:fontRef>
         </p:style>
       </p:cxnSp>
-      <p:pic>
-        <p:nvPicPr>
-          <p:cNvPr id="26" name="Picture 2"/>
-          <p:cNvPicPr>
-            <a:picLocks noChangeAspect="1" noChangeArrowheads="1"/>
-          </p:cNvPicPr>
-          <p:nvPr/>
-        </p:nvPicPr>
-        <p:blipFill>
-          <a:blip r:embed="rId4">
-            <a:extLst>
-              <a:ext uri="{28A0092B-C50C-407E-A947-70E740481C1C}">
-                <a14:useLocalDpi xmlns:a14="http://schemas.microsoft.com/office/drawing/2010/main" val="0"/>
-              </a:ext>
-            </a:extLst>
-          </a:blip>
-          <a:srcRect/>
-          <a:stretch>
-            <a:fillRect/>
-          </a:stretch>
-        </p:blipFill>
-        <p:spPr bwMode="auto">
-          <a:xfrm>
-            <a:off x="5972175" y="392583"/>
-            <a:ext cx="3057524" cy="2596725"/>
-          </a:xfrm>
-          <a:prstGeom prst="rect">
-            <a:avLst/>
-          </a:prstGeom>
-          <a:ln/>
-        </p:spPr>
-        <p:style>
-          <a:lnRef idx="1">
-            <a:schemeClr val="accent5"/>
-          </a:lnRef>
-          <a:fillRef idx="2">
-            <a:schemeClr val="accent5"/>
-          </a:fillRef>
-          <a:effectRef idx="1">
-            <a:schemeClr val="accent5"/>
-          </a:effectRef>
-          <a:fontRef idx="minor">
-            <a:schemeClr val="dk1"/>
-          </a:fontRef>
-        </p:style>
-      </p:pic>
-      <p:sp>
-        <p:nvSpPr>
-          <p:cNvPr id="20" name="Rectangle 19"/>
+      <p:sp>
+        <p:nvSpPr>
+          <p:cNvPr id="21" name="Rectangle 20"/>
           <p:cNvSpPr/>
           <p:nvPr/>
         </p:nvSpPr>
@@ -5817,7 +5857,7 @@
             </a:r>
             <a:r>
               <a:rPr lang="en-US" sz="1200" dirty="0" smtClean="0"/>
-              <a:t>Collection - List</a:t>
+              <a:t>List Collection</a:t>
             </a:r>
             <a:endParaRPr lang="en-US" sz="1200" dirty="0"/>
           </a:p>
@@ -6164,9 +6204,57 @@
           </a:fontRef>
         </p:style>
       </p:pic>
+      <p:sp>
+        <p:nvSpPr>
+          <p:cNvPr id="8" name="Rectangle 7"/>
+          <p:cNvSpPr/>
+          <p:nvPr/>
+        </p:nvSpPr>
+        <p:spPr>
+          <a:xfrm>
+            <a:off x="3352800" y="27801"/>
+            <a:ext cx="2895600" cy="276999"/>
+          </a:xfrm>
+          <a:prstGeom prst="rect">
+            <a:avLst/>
+          </a:prstGeom>
+        </p:spPr>
+        <p:style>
+          <a:lnRef idx="1">
+            <a:schemeClr val="accent4"/>
+          </a:lnRef>
+          <a:fillRef idx="3">
+            <a:schemeClr val="accent4"/>
+          </a:fillRef>
+          <a:effectRef idx="2">
+            <a:schemeClr val="accent4"/>
+          </a:effectRef>
+          <a:fontRef idx="minor">
+            <a:schemeClr val="lt1"/>
+          </a:fontRef>
+        </p:style>
+        <p:txBody>
+          <a:bodyPr wrap="square">
+            <a:spAutoFit/>
+          </a:bodyPr>
+          <a:lstStyle/>
+          <a:p>
+            <a:pPr algn="ctr"/>
+            <a:r>
+              <a:rPr lang="en-US" sz="1200" dirty="0"/>
+              <a:t>Constructor Injection with </a:t>
+            </a:r>
+            <a:r>
+              <a:rPr lang="en-US" sz="1200" dirty="0" smtClean="0"/>
+              <a:t>List Collection</a:t>
+            </a:r>
+            <a:endParaRPr lang="en-US" sz="1200" dirty="0"/>
+          </a:p>
+        </p:txBody>
+      </p:sp>
       <p:pic>
         <p:nvPicPr>
-          <p:cNvPr id="3075" name="Picture 3"/>
+          <p:cNvPr id="3074" name="Picture 2"/>
           <p:cNvPicPr>
             <a:picLocks noChangeAspect="1" noChangeArrowheads="1"/>
           </p:cNvPicPr>
@@ -6187,8 +6275,8 @@
         </p:blipFill>
         <p:spPr bwMode="auto">
           <a:xfrm>
-            <a:off x="307975" y="3657600"/>
-            <a:ext cx="8607425" cy="1255101"/>
+            <a:off x="307975" y="3505200"/>
+            <a:ext cx="8607425" cy="1371600"/>
           </a:xfrm>
           <a:prstGeom prst="rect">
             <a:avLst/>
@@ -6210,54 +6298,6 @@
           </a:fontRef>
         </p:style>
       </p:pic>
-      <p:sp>
-        <p:nvSpPr>
-          <p:cNvPr id="9" name="Rectangle 8"/>
-          <p:cNvSpPr/>
-          <p:nvPr/>
-        </p:nvSpPr>
-        <p:spPr>
-          <a:xfrm>
-            <a:off x="3352800" y="27801"/>
-            <a:ext cx="2895600" cy="276999"/>
-          </a:xfrm>
-          <a:prstGeom prst="rect">
-            <a:avLst/>
-          </a:prstGeom>
-        </p:spPr>
-        <p:style>
-          <a:lnRef idx="1">
-            <a:schemeClr val="accent4"/>
-          </a:lnRef>
-          <a:fillRef idx="3">
-            <a:schemeClr val="accent4"/>
-          </a:fillRef>
-          <a:effectRef idx="2">
-            <a:schemeClr val="accent4"/>
-          </a:effectRef>
-          <a:fontRef idx="minor">
-            <a:schemeClr val="lt1"/>
-          </a:fontRef>
-        </p:style>
-        <p:txBody>
-          <a:bodyPr wrap="square">
-            <a:spAutoFit/>
-          </a:bodyPr>
-          <a:lstStyle/>
-          <a:p>
-            <a:pPr algn="ctr"/>
-            <a:r>
-              <a:rPr lang="en-US" sz="1200" dirty="0"/>
-              <a:t>Constructor Injection with </a:t>
-            </a:r>
-            <a:r>
-              <a:rPr lang="en-US" sz="1200" dirty="0" smtClean="0"/>
-              <a:t>Collection - List</a:t>
-            </a:r>
-            <a:endParaRPr lang="en-US" sz="1200" dirty="0"/>
-          </a:p>
-        </p:txBody>
-      </p:sp>
     </p:spTree>
     <p:extLst>
       <p:ext uri="{BB962C8B-B14F-4D97-AF65-F5344CB8AC3E}">

--- a/Later/Spring/4_Dependency_Injection/8/Constructor Injection with Collection_List.pptx
+++ b/Later/Spring/4_Dependency_Injection/8/Constructor Injection with Collection_List.pptx
@@ -196,7 +196,7 @@
           <a:p>
             <a:fld id="{62274EC6-3890-417B-9308-14EFBD00FA63}" type="datetimeFigureOut">
               <a:rPr lang="en-US" smtClean="0"/>
-              <a:t>1/2/2018</a:t>
+              <a:t>1/3/2018</a:t>
             </a:fld>
             <a:endParaRPr lang="en-US" dirty="0"/>
           </a:p>
@@ -1091,7 +1091,7 @@
             <a:fld id="{1D8BD707-D9CF-40AE-B4C6-C98DA3205C09}" type="datetimeFigureOut">
               <a:rPr lang="en-US" smtClean="0"/>
               <a:pPr/>
-              <a:t>1/2/2018</a:t>
+              <a:t>1/3/2018</a:t>
             </a:fld>
             <a:endParaRPr lang="en-US" dirty="0"/>
           </a:p>
@@ -1263,7 +1263,7 @@
             <a:fld id="{1D8BD707-D9CF-40AE-B4C6-C98DA3205C09}" type="datetimeFigureOut">
               <a:rPr lang="en-US" smtClean="0"/>
               <a:pPr/>
-              <a:t>1/2/2018</a:t>
+              <a:t>1/3/2018</a:t>
             </a:fld>
             <a:endParaRPr lang="en-US" dirty="0"/>
           </a:p>
@@ -1445,7 +1445,7 @@
             <a:fld id="{1D8BD707-D9CF-40AE-B4C6-C98DA3205C09}" type="datetimeFigureOut">
               <a:rPr lang="en-US" smtClean="0"/>
               <a:pPr/>
-              <a:t>1/2/2018</a:t>
+              <a:t>1/3/2018</a:t>
             </a:fld>
             <a:endParaRPr lang="en-US" dirty="0"/>
           </a:p>
@@ -1617,7 +1617,7 @@
             <a:fld id="{1D8BD707-D9CF-40AE-B4C6-C98DA3205C09}" type="datetimeFigureOut">
               <a:rPr lang="en-US" smtClean="0"/>
               <a:pPr/>
-              <a:t>1/2/2018</a:t>
+              <a:t>1/3/2018</a:t>
             </a:fld>
             <a:endParaRPr lang="en-US" dirty="0"/>
           </a:p>
@@ -1865,7 +1865,7 @@
             <a:fld id="{1D8BD707-D9CF-40AE-B4C6-C98DA3205C09}" type="datetimeFigureOut">
               <a:rPr lang="en-US" smtClean="0"/>
               <a:pPr/>
-              <a:t>1/2/2018</a:t>
+              <a:t>1/3/2018</a:t>
             </a:fld>
             <a:endParaRPr lang="en-US" dirty="0"/>
           </a:p>
@@ -2155,7 +2155,7 @@
             <a:fld id="{1D8BD707-D9CF-40AE-B4C6-C98DA3205C09}" type="datetimeFigureOut">
               <a:rPr lang="en-US" smtClean="0"/>
               <a:pPr/>
-              <a:t>1/2/2018</a:t>
+              <a:t>1/3/2018</a:t>
             </a:fld>
             <a:endParaRPr lang="en-US" dirty="0"/>
           </a:p>
@@ -2584,7 +2584,7 @@
             <a:fld id="{1D8BD707-D9CF-40AE-B4C6-C98DA3205C09}" type="datetimeFigureOut">
               <a:rPr lang="en-US" smtClean="0"/>
               <a:pPr/>
-              <a:t>1/2/2018</a:t>
+              <a:t>1/3/2018</a:t>
             </a:fld>
             <a:endParaRPr lang="en-US" dirty="0"/>
           </a:p>
@@ -2704,7 +2704,7 @@
             <a:fld id="{1D8BD707-D9CF-40AE-B4C6-C98DA3205C09}" type="datetimeFigureOut">
               <a:rPr lang="en-US" smtClean="0"/>
               <a:pPr/>
-              <a:t>1/2/2018</a:t>
+              <a:t>1/3/2018</a:t>
             </a:fld>
             <a:endParaRPr lang="en-US" dirty="0"/>
           </a:p>
@@ -2801,7 +2801,7 @@
             <a:fld id="{1D8BD707-D9CF-40AE-B4C6-C98DA3205C09}" type="datetimeFigureOut">
               <a:rPr lang="en-US" smtClean="0"/>
               <a:pPr/>
-              <a:t>1/2/2018</a:t>
+              <a:t>1/3/2018</a:t>
             </a:fld>
             <a:endParaRPr lang="en-US" dirty="0"/>
           </a:p>
@@ -3080,7 +3080,7 @@
             <a:fld id="{1D8BD707-D9CF-40AE-B4C6-C98DA3205C09}" type="datetimeFigureOut">
               <a:rPr lang="en-US" smtClean="0"/>
               <a:pPr/>
-              <a:t>1/2/2018</a:t>
+              <a:t>1/3/2018</a:t>
             </a:fld>
             <a:endParaRPr lang="en-US" dirty="0"/>
           </a:p>
@@ -3335,7 +3335,7 @@
             <a:fld id="{1D8BD707-D9CF-40AE-B4C6-C98DA3205C09}" type="datetimeFigureOut">
               <a:rPr lang="en-US" smtClean="0"/>
               <a:pPr/>
-              <a:t>1/2/2018</a:t>
+              <a:t>1/3/2018</a:t>
             </a:fld>
             <a:endParaRPr lang="en-US" dirty="0"/>
           </a:p>
@@ -3550,7 +3550,7 @@
             <a:fld id="{1D8BD707-D9CF-40AE-B4C6-C98DA3205C09}" type="datetimeFigureOut">
               <a:rPr lang="en-US" smtClean="0"/>
               <a:pPr/>
-              <a:t>1/2/2018</a:t>
+              <a:t>1/3/2018</a:t>
             </a:fld>
             <a:endParaRPr lang="en-US" dirty="0"/>
           </a:p>
@@ -4835,47 +4835,7 @@
                   <a:srgbClr val="FF0000"/>
                 </a:solidFill>
               </a:rPr>
-              <a:t>FruitShop</a:t>
-            </a:r>
-            <a:r>
-              <a:rPr lang="en-US" sz="1200" dirty="0">
-                <a:solidFill>
-                  <a:srgbClr val="FF0000"/>
-                </a:solidFill>
-              </a:rPr>
-              <a:t>(String </a:t>
-            </a:r>
-            <a:r>
-              <a:rPr lang="en-US" sz="1200" dirty="0">
-                <a:solidFill>
-                  <a:srgbClr val="FF0000"/>
-                </a:solidFill>
-              </a:rPr>
-              <a:t>shopName</a:t>
-            </a:r>
-            <a:r>
-              <a:rPr lang="en-US" sz="1200" dirty="0">
-                <a:solidFill>
-                  <a:srgbClr val="FF0000"/>
-                </a:solidFill>
-              </a:rPr>
-              <a:t>, List&lt;String&gt; </a:t>
-            </a:r>
-            <a:r>
-              <a:rPr lang="en-US" sz="1200" dirty="0">
-                <a:solidFill>
-                  <a:srgbClr val="FF0000"/>
-                </a:solidFill>
-              </a:rPr>
-              <a:t>listOfAvailableFruits</a:t>
-            </a:r>
-            <a:r>
-              <a:rPr lang="en-US" sz="1200" dirty="0">
-                <a:solidFill>
-                  <a:srgbClr val="FF0000"/>
-                </a:solidFill>
-              </a:rPr>
-              <a:t>)</a:t>
+              <a:t>FruitShop(String shopName, List&lt;String&gt; listOfAvailableFruits)</a:t>
             </a:r>
             <a:r>
               <a:rPr lang="en-US" sz="1200" b="1" dirty="0" smtClean="0"/>
@@ -4937,7 +4897,31 @@
             </a:pPr>
             <a:r>
               <a:rPr lang="en-US" sz="1200" dirty="0"/>
-              <a:t>The list element of constructor-arg is used here to define the list.</a:t>
+              <a:t>The </a:t>
+            </a:r>
+            <a:r>
+              <a:rPr lang="en-US" sz="1200" dirty="0">
+                <a:solidFill>
+                  <a:srgbClr val="FF0000"/>
+                </a:solidFill>
+              </a:rPr>
+              <a:t>list</a:t>
+            </a:r>
+            <a:r>
+              <a:rPr lang="en-US" sz="1200" dirty="0"/>
+              <a:t> element of constructor-arg is used here to define the </a:t>
+            </a:r>
+            <a:r>
+              <a:rPr lang="en-US" sz="1200" dirty="0">
+                <a:solidFill>
+                  <a:srgbClr val="FF0000"/>
+                </a:solidFill>
+              </a:rPr>
+              <a:t>list</a:t>
+            </a:r>
+            <a:r>
+              <a:rPr lang="en-US" sz="1200" dirty="0"/>
+              <a:t>.</a:t>
             </a:r>
           </a:p>
         </p:txBody>
